--- a/training-cards/agile moves/Writing (WRI)/ger/apprentice/ger_wri_03_komm_auf_den_punkt_AM_A.pptx
+++ b/training-cards/agile moves/Writing (WRI)/ger/apprentice/ger_wri_03_komm_auf_den_punkt_AM_A.pptx
@@ -3909,46 +3909,8 @@
               <a:t>die </a:t>
             </a:r>
             <a:r>
-              <a:rPr lang="de-DE" sz="1100" dirty="0" err="1" smtClean="0">
-                <a:latin typeface="Avenir Light"/>
-                <a:cs typeface="Avenir Light"/>
-              </a:rPr>
-              <a:t>Überschrift</a:t>
-            </a:r>
-            <a:r>
-              <a:rPr lang="de-DE" sz="1100" dirty="0">
-                <a:latin typeface="Avenir Light"/>
-                <a:cs typeface="Avenir Light"/>
-              </a:rPr>
-              <a:t> </a:t>
-            </a:r>
-            <a:r>
-              <a:rPr lang="de-DE" sz="1100" dirty="0" err="1" smtClean="0">
-                <a:latin typeface="Avenir Light"/>
-                <a:cs typeface="Avenir Light"/>
-              </a:rPr>
-              <a:t>für</a:t>
-            </a:r>
-            <a:r>
-              <a:rPr lang="de-DE" sz="1100" dirty="0" smtClean="0">
-                <a:latin typeface="Avenir Light"/>
-                <a:cs typeface="Avenir Light"/>
-              </a:rPr>
-              <a:t> </a:t>
-            </a:r>
-            <a:r>
-              <a:rPr lang="de-DE" sz="1100" dirty="0">
-                <a:latin typeface="Avenir Light"/>
-                <a:cs typeface="Avenir Light"/>
-              </a:rPr>
-              <a:t>Deinen </a:t>
-            </a:r>
-            <a:r>
-              <a:rPr lang="de-DE" sz="1100" dirty="0" smtClean="0">
-                <a:latin typeface="Avenir Light"/>
-                <a:cs typeface="Avenir Light"/>
-              </a:rPr>
-              <a:t>Text.</a:t>
+              <a:rPr lang="de-DE" sz="1100" dirty="0"/>
+              <a:t>Überschrift, den Höhepunkt oder vielleicht den Schlusssatz für Deinen Text.</a:t>
             </a:r>
             <a:endParaRPr lang="de-DE" sz="1100" dirty="0">
               <a:latin typeface="Avenir Light"/>
@@ -4027,7 +3989,23 @@
           <a:p>
             <a:r>
               <a:rPr lang="de-DE" sz="1200" dirty="0" smtClean="0"/>
-              <a:t>Erstelle auf diese Weise für in 2 Wochen für  4 verschiedene Texte je eine Kernaussage (allein </a:t>
+              <a:t>Erstelle auf diese </a:t>
+            </a:r>
+            <a:r>
+              <a:rPr lang="de-DE" sz="1200" dirty="0" smtClean="0"/>
+              <a:t>Weise </a:t>
+            </a:r>
+            <a:r>
+              <a:rPr lang="de-DE" sz="1200" dirty="0" smtClean="0"/>
+              <a:t>in 2 Wochen für  4 verschiedene </a:t>
+            </a:r>
+            <a:r>
+              <a:rPr lang="de-DE" sz="1200" dirty="0" smtClean="0"/>
+              <a:t>Textideen </a:t>
+            </a:r>
+            <a:r>
+              <a:rPr lang="de-DE" sz="1200" dirty="0" smtClean="0"/>
+              <a:t>je eine Kernaussage (allein </a:t>
             </a:r>
             <a:r>
               <a:rPr lang="de-DE" sz="1200" dirty="0"/>

--- a/training-cards/agile moves/Writing (WRI)/ger/apprentice/ger_wri_03_komm_auf_den_punkt_AM_A.pptx
+++ b/training-cards/agile moves/Writing (WRI)/ger/apprentice/ger_wri_03_komm_auf_den_punkt_AM_A.pptx
@@ -626,8 +626,8 @@
         </p:nvSpPr>
         <p:spPr>
           <a:xfrm>
-            <a:off x="5250722" y="82389"/>
-            <a:ext cx="1905009" cy="269239"/>
+            <a:off x="5197058" y="82389"/>
+            <a:ext cx="1905009" cy="246217"/>
           </a:xfrm>
           <a:prstGeom prst="rect">
             <a:avLst/>
@@ -647,11 +647,11 @@
           </a:bodyPr>
           <a:lstStyle/>
           <a:p>
-            <a:pPr lvl="0">
+            <a:pPr lvl="0" algn="ctr">
               <a:defRPr sz="1800"/>
             </a:pPr>
             <a:r>
-              <a:rPr sz="1000" b="1">
+              <a:rPr sz="1000" b="1" dirty="0">
                 <a:solidFill>
                   <a:srgbClr val="FFFFFF"/>
                 </a:solidFill>
@@ -663,7 +663,7 @@
               <a:t>TRAININGSKARTE</a:t>
             </a:r>
             <a:r>
-              <a:rPr sz="1000">
+              <a:rPr sz="1000" dirty="0">
                 <a:solidFill>
                   <a:srgbClr val="FFFFFF"/>
                 </a:solidFill>
@@ -675,7 +675,7 @@
               <a:t> </a:t>
             </a:r>
             <a:r>
-              <a:rPr sz="1000" b="1">
+              <a:rPr lang="de-DE" sz="1000" b="1" dirty="0" smtClean="0">
                 <a:solidFill>
                   <a:srgbClr val="FFFFFF"/>
                 </a:solidFill>
@@ -684,8 +684,17 @@
                 <a:cs typeface="Avenir Book"/>
                 <a:sym typeface="Avenir Book"/>
               </a:rPr>
-              <a:t>XXX 00</a:t>
-            </a:r>
+              <a:t>WRI 03</a:t>
+            </a:r>
+            <a:endParaRPr sz="1000" b="1" dirty="0">
+              <a:solidFill>
+                <a:srgbClr val="FFFFFF"/>
+              </a:solidFill>
+              <a:latin typeface="Avenir Book"/>
+              <a:ea typeface="Avenir Book"/>
+              <a:cs typeface="Avenir Book"/>
+              <a:sym typeface="Avenir Book"/>
+            </a:endParaRPr>
           </a:p>
         </p:txBody>
       </p:sp>
@@ -871,7 +880,7 @@
               </a:defRPr>
             </a:pPr>
             <a:r>
-              <a:rPr lang="de-DE" sz="1000" smtClean="0">
+              <a:rPr lang="de-DE" sz="1000" dirty="0" smtClean="0">
                 <a:solidFill>
                   <a:srgbClr val="5D5E5F"/>
                 </a:solidFill>
@@ -888,7 +897,7 @@
               </a:defRPr>
             </a:pPr>
             <a:r>
-              <a:rPr lang="de-DE" sz="1000" smtClean="0">
+              <a:rPr lang="de-DE" sz="1000" dirty="0" smtClean="0">
                 <a:solidFill>
                   <a:srgbClr val="5D5E5F"/>
                 </a:solidFill>
@@ -905,7 +914,7 @@
               </a:defRPr>
             </a:pPr>
             <a:r>
-              <a:rPr lang="de-DE" sz="1000" smtClean="0">
+              <a:rPr lang="de-DE" sz="1000" dirty="0" smtClean="0">
                 <a:solidFill>
                   <a:srgbClr val="5D5E5F"/>
                 </a:solidFill>
@@ -922,7 +931,7 @@
               </a:defRPr>
             </a:pPr>
             <a:r>
-              <a:rPr lang="de-DE" sz="1000" smtClean="0">
+              <a:rPr lang="de-DE" sz="1000" dirty="0" smtClean="0">
                 <a:solidFill>
                   <a:srgbClr val="5D5E5F"/>
                 </a:solidFill>
@@ -939,14 +948,14 @@
               </a:defRPr>
             </a:pPr>
             <a:r>
-              <a:rPr lang="de-DE" sz="1000" smtClean="0">
+              <a:rPr lang="de-DE" sz="1000" dirty="0" smtClean="0">
                 <a:solidFill>
                   <a:srgbClr val="5D5E5F"/>
                 </a:solidFill>
               </a:rPr>
               <a:t>Fünfte Ebene</a:t>
             </a:r>
-            <a:endParaRPr sz="1000">
+            <a:endParaRPr sz="1000" dirty="0">
               <a:solidFill>
                 <a:srgbClr val="5D5E5F"/>
               </a:solidFill>
@@ -1083,7 +1092,7 @@
                 <a:latin typeface="Avenir Light"/>
                 <a:cs typeface="Avenir Light"/>
               </a:rPr>
-              <a:t>25.10.15</a:t>
+              <a:t>05.11.15</a:t>
             </a:fld>
             <a:endParaRPr lang="de-DE" sz="600" dirty="0">
               <a:solidFill>
@@ -1364,8 +1373,8 @@
         </p:nvSpPr>
         <p:spPr>
           <a:xfrm>
-            <a:off x="5250722" y="82389"/>
-            <a:ext cx="1905009" cy="269239"/>
+            <a:off x="5197058" y="82389"/>
+            <a:ext cx="1905009" cy="246217"/>
           </a:xfrm>
           <a:prstGeom prst="rect">
             <a:avLst/>
@@ -1385,11 +1394,11 @@
           </a:bodyPr>
           <a:lstStyle/>
           <a:p>
-            <a:pPr lvl="0">
+            <a:pPr lvl="0" algn="ctr">
               <a:defRPr sz="1800"/>
             </a:pPr>
             <a:r>
-              <a:rPr sz="1000" b="1">
+              <a:rPr sz="1000" b="1" dirty="0">
                 <a:solidFill>
                   <a:srgbClr val="FFFFFF"/>
                 </a:solidFill>
@@ -1401,7 +1410,7 @@
               <a:t>TRAININGSKARTE</a:t>
             </a:r>
             <a:r>
-              <a:rPr sz="1000">
+              <a:rPr sz="1000" dirty="0">
                 <a:solidFill>
                   <a:srgbClr val="FFFFFF"/>
                 </a:solidFill>
@@ -1413,7 +1422,7 @@
               <a:t> </a:t>
             </a:r>
             <a:r>
-              <a:rPr sz="1000" b="1">
+              <a:rPr lang="en-US" sz="1000" b="1" dirty="0" smtClean="0">
                 <a:solidFill>
                   <a:srgbClr val="FFFFFF"/>
                 </a:solidFill>
@@ -1422,8 +1431,17 @@
                 <a:cs typeface="Avenir Book"/>
                 <a:sym typeface="Avenir Book"/>
               </a:rPr>
-              <a:t>XXX 00</a:t>
-            </a:r>
+              <a:t>WRI 03</a:t>
+            </a:r>
+            <a:endParaRPr lang="en-US" sz="1000" b="1" dirty="0">
+              <a:solidFill>
+                <a:srgbClr val="FFFFFF"/>
+              </a:solidFill>
+              <a:latin typeface="Avenir Book"/>
+              <a:ea typeface="Avenir Book"/>
+              <a:cs typeface="Avenir Book"/>
+              <a:sym typeface="Avenir Book"/>
+            </a:endParaRPr>
           </a:p>
         </p:txBody>
       </p:sp>
@@ -1818,7 +1836,7 @@
                 <a:latin typeface="Avenir Light"/>
                 <a:cs typeface="Avenir Light"/>
               </a:rPr>
-              <a:t>25.10.15</a:t>
+              <a:t>05.11.15</a:t>
             </a:fld>
             <a:endParaRPr lang="de-DE" sz="600" dirty="0">
               <a:solidFill>
@@ -2099,8 +2117,8 @@
         </p:nvSpPr>
         <p:spPr>
           <a:xfrm>
-            <a:off x="5250722" y="82389"/>
-            <a:ext cx="1905009" cy="269239"/>
+            <a:off x="5197058" y="82389"/>
+            <a:ext cx="1905009" cy="246217"/>
           </a:xfrm>
           <a:prstGeom prst="rect">
             <a:avLst/>
@@ -2120,11 +2138,11 @@
           </a:bodyPr>
           <a:lstStyle/>
           <a:p>
-            <a:pPr lvl="0">
+            <a:pPr lvl="0" algn="ctr">
               <a:defRPr sz="1800"/>
             </a:pPr>
             <a:r>
-              <a:rPr sz="1000" b="1">
+              <a:rPr sz="1000" b="1" dirty="0">
                 <a:solidFill>
                   <a:srgbClr val="FFFFFF"/>
                 </a:solidFill>
@@ -2136,7 +2154,7 @@
               <a:t>TRAININGSKARTE</a:t>
             </a:r>
             <a:r>
-              <a:rPr sz="1000">
+              <a:rPr sz="1000" dirty="0">
                 <a:solidFill>
                   <a:srgbClr val="FFFFFF"/>
                 </a:solidFill>
@@ -2148,7 +2166,7 @@
               <a:t> </a:t>
             </a:r>
             <a:r>
-              <a:rPr sz="1000" b="1">
+              <a:rPr lang="en-US" sz="1000" b="1" dirty="0" smtClean="0">
                 <a:solidFill>
                   <a:srgbClr val="FFFFFF"/>
                 </a:solidFill>
@@ -2157,8 +2175,17 @@
                 <a:cs typeface="Avenir Book"/>
                 <a:sym typeface="Avenir Book"/>
               </a:rPr>
-              <a:t>XXX 00</a:t>
-            </a:r>
+              <a:t>WRI 03</a:t>
+            </a:r>
+            <a:endParaRPr lang="en-US" sz="1000" b="1" dirty="0">
+              <a:solidFill>
+                <a:srgbClr val="FFFFFF"/>
+              </a:solidFill>
+              <a:latin typeface="Avenir Book"/>
+              <a:ea typeface="Avenir Book"/>
+              <a:cs typeface="Avenir Book"/>
+              <a:sym typeface="Avenir Book"/>
+            </a:endParaRPr>
           </a:p>
         </p:txBody>
       </p:sp>
@@ -2526,7 +2553,7 @@
                 <a:latin typeface="Avenir Light"/>
                 <a:cs typeface="Avenir Light"/>
               </a:rPr>
-              <a:t>25.10.15</a:t>
+              <a:t>05.11.15</a:t>
             </a:fld>
             <a:endParaRPr lang="de-DE" sz="600" dirty="0">
               <a:solidFill>
@@ -3989,23 +4016,7 @@
           <a:p>
             <a:r>
               <a:rPr lang="de-DE" sz="1200" dirty="0" smtClean="0"/>
-              <a:t>Erstelle auf diese </a:t>
-            </a:r>
-            <a:r>
-              <a:rPr lang="de-DE" sz="1200" dirty="0" smtClean="0"/>
-              <a:t>Weise </a:t>
-            </a:r>
-            <a:r>
-              <a:rPr lang="de-DE" sz="1200" dirty="0" smtClean="0"/>
-              <a:t>in 2 Wochen für  4 verschiedene </a:t>
-            </a:r>
-            <a:r>
-              <a:rPr lang="de-DE" sz="1200" dirty="0" smtClean="0"/>
-              <a:t>Textideen </a:t>
-            </a:r>
-            <a:r>
-              <a:rPr lang="de-DE" sz="1200" dirty="0" smtClean="0"/>
-              <a:t>je eine Kernaussage (allein </a:t>
+              <a:t>Erstelle auf diese Weise in 2 Wochen für  4 verschiedene Textideen je eine Kernaussage (allein </a:t>
             </a:r>
             <a:r>
               <a:rPr lang="de-DE" sz="1200" dirty="0"/>
